--- a/문서/2차발표 자료/양영현 일정 3.pptx
+++ b/문서/2차발표 자료/양영현 일정 3.pptx
@@ -275,7 +275,7 @@
           <a:p>
             <a:fld id="{87F37AEA-8824-4F9E-AB8A-1547A43889B9}" type="datetimeFigureOut">
               <a:rPr lang="ko-KR" altLang="en-US" smtClean="0"/>
-              <a:t>2023-11-15</a:t>
+              <a:t>2023-11-29</a:t>
             </a:fld>
             <a:endParaRPr lang="ko-KR" altLang="en-US"/>
           </a:p>
@@ -443,7 +443,7 @@
           <a:p>
             <a:fld id="{87F37AEA-8824-4F9E-AB8A-1547A43889B9}" type="datetimeFigureOut">
               <a:rPr lang="ko-KR" altLang="en-US" smtClean="0"/>
-              <a:t>2023-11-15</a:t>
+              <a:t>2023-11-29</a:t>
             </a:fld>
             <a:endParaRPr lang="ko-KR" altLang="en-US"/>
           </a:p>
@@ -621,7 +621,7 @@
           <a:p>
             <a:fld id="{87F37AEA-8824-4F9E-AB8A-1547A43889B9}" type="datetimeFigureOut">
               <a:rPr lang="ko-KR" altLang="en-US" smtClean="0"/>
-              <a:t>2023-11-15</a:t>
+              <a:t>2023-11-29</a:t>
             </a:fld>
             <a:endParaRPr lang="ko-KR" altLang="en-US"/>
           </a:p>
@@ -789,7 +789,7 @@
           <a:p>
             <a:fld id="{87F37AEA-8824-4F9E-AB8A-1547A43889B9}" type="datetimeFigureOut">
               <a:rPr lang="ko-KR" altLang="en-US" smtClean="0"/>
-              <a:t>2023-11-15</a:t>
+              <a:t>2023-11-29</a:t>
             </a:fld>
             <a:endParaRPr lang="ko-KR" altLang="en-US"/>
           </a:p>
@@ -1034,7 +1034,7 @@
           <a:p>
             <a:fld id="{87F37AEA-8824-4F9E-AB8A-1547A43889B9}" type="datetimeFigureOut">
               <a:rPr lang="ko-KR" altLang="en-US" smtClean="0"/>
-              <a:t>2023-11-15</a:t>
+              <a:t>2023-11-29</a:t>
             </a:fld>
             <a:endParaRPr lang="ko-KR" altLang="en-US"/>
           </a:p>
@@ -1263,7 +1263,7 @@
           <a:p>
             <a:fld id="{87F37AEA-8824-4F9E-AB8A-1547A43889B9}" type="datetimeFigureOut">
               <a:rPr lang="ko-KR" altLang="en-US" smtClean="0"/>
-              <a:t>2023-11-15</a:t>
+              <a:t>2023-11-29</a:t>
             </a:fld>
             <a:endParaRPr lang="ko-KR" altLang="en-US"/>
           </a:p>
@@ -1627,7 +1627,7 @@
           <a:p>
             <a:fld id="{87F37AEA-8824-4F9E-AB8A-1547A43889B9}" type="datetimeFigureOut">
               <a:rPr lang="ko-KR" altLang="en-US" smtClean="0"/>
-              <a:t>2023-11-15</a:t>
+              <a:t>2023-11-29</a:t>
             </a:fld>
             <a:endParaRPr lang="ko-KR" altLang="en-US"/>
           </a:p>
@@ -1744,7 +1744,7 @@
           <a:p>
             <a:fld id="{87F37AEA-8824-4F9E-AB8A-1547A43889B9}" type="datetimeFigureOut">
               <a:rPr lang="ko-KR" altLang="en-US" smtClean="0"/>
-              <a:t>2023-11-15</a:t>
+              <a:t>2023-11-29</a:t>
             </a:fld>
             <a:endParaRPr lang="ko-KR" altLang="en-US"/>
           </a:p>
@@ -1839,7 +1839,7 @@
           <a:p>
             <a:fld id="{87F37AEA-8824-4F9E-AB8A-1547A43889B9}" type="datetimeFigureOut">
               <a:rPr lang="ko-KR" altLang="en-US" smtClean="0"/>
-              <a:t>2023-11-15</a:t>
+              <a:t>2023-11-29</a:t>
             </a:fld>
             <a:endParaRPr lang="ko-KR" altLang="en-US"/>
           </a:p>
@@ -2114,7 +2114,7 @@
           <a:p>
             <a:fld id="{87F37AEA-8824-4F9E-AB8A-1547A43889B9}" type="datetimeFigureOut">
               <a:rPr lang="ko-KR" altLang="en-US" smtClean="0"/>
-              <a:t>2023-11-15</a:t>
+              <a:t>2023-11-29</a:t>
             </a:fld>
             <a:endParaRPr lang="ko-KR" altLang="en-US"/>
           </a:p>
@@ -2366,7 +2366,7 @@
           <a:p>
             <a:fld id="{87F37AEA-8824-4F9E-AB8A-1547A43889B9}" type="datetimeFigureOut">
               <a:rPr lang="ko-KR" altLang="en-US" smtClean="0"/>
-              <a:t>2023-11-15</a:t>
+              <a:t>2023-11-29</a:t>
             </a:fld>
             <a:endParaRPr lang="ko-KR" altLang="en-US"/>
           </a:p>
@@ -2577,7 +2577,7 @@
           <a:p>
             <a:fld id="{87F37AEA-8824-4F9E-AB8A-1547A43889B9}" type="datetimeFigureOut">
               <a:rPr lang="ko-KR" altLang="en-US" smtClean="0"/>
-              <a:t>2023-11-15</a:t>
+              <a:t>2023-11-29</a:t>
             </a:fld>
             <a:endParaRPr lang="ko-KR" altLang="en-US"/>
           </a:p>
@@ -2997,14 +2997,14 @@
           <p:nvPr>
             <p:extLst>
               <p:ext uri="{D42A27DB-BD31-4B8C-83A1-F6EECF244321}">
-                <p14:modId xmlns:p14="http://schemas.microsoft.com/office/powerpoint/2010/main" val="191257936"/>
+                <p14:modId xmlns:p14="http://schemas.microsoft.com/office/powerpoint/2010/main" val="3192172205"/>
               </p:ext>
             </p:extLst>
           </p:nvPr>
         </p:nvGraphicFramePr>
         <p:xfrm>
-          <a:off x="-4339" y="0"/>
-          <a:ext cx="12196339" cy="6858000"/>
+          <a:off x="75501" y="0"/>
+          <a:ext cx="12116499" cy="7086600"/>
         </p:xfrm>
         <a:graphic>
           <a:graphicData uri="http://schemas.openxmlformats.org/drawingml/2006/table">
@@ -3013,7 +3013,7 @@
                 <a:tableStyleId>{5940675A-B579-460E-94D1-54222C63F5DA}</a:tableStyleId>
               </a:tblPr>
               <a:tblGrid>
-                <a:gridCol w="1487806">
+                <a:gridCol w="1407966">
                   <a:extLst>
                     <a:ext uri="{9D8B030D-6E8A-4147-A177-3AD203B41FA5}">
                       <a16:colId xmlns:a16="http://schemas.microsoft.com/office/drawing/2014/main" val="20000"/>
